--- a/summary-2020-12a2020-01/SCML-Agent-MADDPG.pptx
+++ b/summary-2020-12a2020-01/SCML-Agent-MADDPG.pptx
@@ -5,18 +5,19 @@
     <p:sldMasterId id="2147483648" r:id="rId1"/>
   </p:sldMasterIdLst>
   <p:notesMasterIdLst>
-    <p:notesMasterId r:id="rId6"/>
+    <p:notesMasterId r:id="rId7"/>
   </p:notesMasterIdLst>
   <p:handoutMasterIdLst>
-    <p:handoutMasterId r:id="rId10"/>
+    <p:handoutMasterId r:id="rId11"/>
   </p:handoutMasterIdLst>
   <p:sldIdLst>
     <p:sldId id="256" r:id="rId3"/>
     <p:sldId id="277" r:id="rId4"/>
-    <p:sldId id="268" r:id="rId5"/>
-    <p:sldId id="278" r:id="rId7"/>
-    <p:sldId id="279" r:id="rId8"/>
-    <p:sldId id="260" r:id="rId9"/>
+    <p:sldId id="282" r:id="rId5"/>
+    <p:sldId id="268" r:id="rId6"/>
+    <p:sldId id="278" r:id="rId8"/>
+    <p:sldId id="279" r:id="rId9"/>
+    <p:sldId id="260" r:id="rId10"/>
   </p:sldIdLst>
   <p:sldSz cx="12192000" cy="6858000"/>
   <p:notesSz cx="7103745" cy="10234295"/>
@@ -3779,18 +3780,18 @@
         </p:nvSpPr>
         <p:spPr>
           <a:xfrm>
-            <a:off x="647700" y="248285"/>
-            <a:ext cx="10515600" cy="257810"/>
-          </a:xfrm>
-        </p:spPr>
-        <p:txBody>
-          <a:bodyPr>
-            <a:normAutofit fontScale="90000"/>
-          </a:bodyPr>
-          <a:p>
-            <a:r>
-              <a:rPr lang="en-US" altLang="zh-CN"/>
-              <a:t>Overview of Model (SCMLEnv + MADDPG)</a:t>
+            <a:off x="135890" y="196850"/>
+            <a:ext cx="10515600" cy="558800"/>
+          </a:xfrm>
+        </p:spPr>
+        <p:txBody>
+          <a:bodyPr/>
+          <a:p>
+            <a:r>
+              <a:rPr lang="en-US" altLang="zh-CN">
+                <a:sym typeface="+mn-ea"/>
+              </a:rPr>
+              <a:t>Overview of Model </a:t>
             </a:r>
             <a:endParaRPr lang="en-US" altLang="zh-CN"/>
           </a:p>
@@ -3798,7 +3799,7 @@
       </p:sp>
       <p:pic>
         <p:nvPicPr>
-          <p:cNvPr id="4" name="内容占位符 3" descr="mappdg3"/>
+          <p:cNvPr id="6" name="内容占位符 5" descr="scnk(1)"/>
           <p:cNvPicPr>
             <a:picLocks noChangeAspect="true"/>
           </p:cNvPicPr>
@@ -3814,8 +3815,8 @@
         </p:blipFill>
         <p:spPr>
           <a:xfrm>
-            <a:off x="75565" y="895350"/>
-            <a:ext cx="12040870" cy="5363845"/>
+            <a:off x="1772920" y="755650"/>
+            <a:ext cx="9508490" cy="5992495"/>
           </a:xfrm>
           <a:prstGeom prst="rect">
             <a:avLst/>
@@ -3830,8 +3831,8 @@
         </p:nvSpPr>
         <p:spPr>
           <a:xfrm>
-            <a:off x="2734310" y="6414770"/>
-            <a:ext cx="7098030" cy="306705"/>
+            <a:off x="-10795" y="1474470"/>
+            <a:ext cx="1504950" cy="398780"/>
           </a:xfrm>
           <a:prstGeom prst="rect">
             <a:avLst/>
@@ -3843,12 +3844,82 @@
             <a:spAutoFit/>
           </a:bodyPr>
           <a:p>
-            <a:pPr algn="ctr"/>
-            <a:r>
-              <a:rPr lang="en-US" altLang="zh-CN" sz="1400" b="1"/>
-              <a:t> multi-agent decentralized actor, centralized critic</a:t>
-            </a:r>
-            <a:endParaRPr lang="en-US" altLang="zh-CN" sz="1400" b="1"/>
+            <a:r>
+              <a:rPr lang="en-US" altLang="zh-CN" sz="1000"/>
+              <a:t>A: Ranges allowed negotiation issues</a:t>
+            </a:r>
+            <a:endParaRPr lang="en-US" altLang="zh-CN" sz="1000"/>
+          </a:p>
+        </p:txBody>
+      </p:sp>
+      <p:sp>
+        <p:nvSpPr>
+          <p:cNvPr id="8" name="文本框 7"/>
+          <p:cNvSpPr txBox="true"/>
+          <p:nvPr/>
+        </p:nvSpPr>
+        <p:spPr>
+          <a:xfrm>
+            <a:off x="-10795" y="2348865"/>
+            <a:ext cx="1800225" cy="1168400"/>
+          </a:xfrm>
+          <a:prstGeom prst="rect">
+            <a:avLst/>
+          </a:prstGeom>
+          <a:noFill/>
+        </p:spPr>
+        <p:txBody>
+          <a:bodyPr wrap="square" rtlCol="0">
+            <a:spAutoFit/>
+          </a:bodyPr>
+          <a:p>
+            <a:r>
+              <a:rPr lang="en-US" altLang="zh-CN" sz="1000"/>
+              <a:t>O: profile.costs</a:t>
+            </a:r>
+            <a:endParaRPr lang="en-US" altLang="zh-CN" sz="1000"/>
+          </a:p>
+          <a:p>
+            <a:r>
+              <a:rPr lang="en-US" altLang="zh-CN" sz="1000"/>
+              <a:t>    agent._horizon</a:t>
+            </a:r>
+            <a:endParaRPr lang="en-US" altLang="zh-CN" sz="1000"/>
+          </a:p>
+          <a:p>
+            <a:r>
+              <a:rPr lang="en-US" altLang="zh-CN" sz="1000"/>
+              <a:t>    catalog_prices</a:t>
+            </a:r>
+            <a:endParaRPr lang="en-US" altLang="zh-CN" sz="1000"/>
+          </a:p>
+          <a:p>
+            <a:r>
+              <a:rPr lang="en-US" altLang="zh-CN" sz="1000"/>
+              <a:t>    running_negotiations</a:t>
+            </a:r>
+            <a:endParaRPr lang="en-US" altLang="zh-CN" sz="1000"/>
+          </a:p>
+          <a:p>
+            <a:r>
+              <a:rPr lang="en-US" altLang="zh-CN" sz="1000"/>
+              <a:t>    negotiations_requests</a:t>
+            </a:r>
+            <a:endParaRPr lang="en-US" altLang="zh-CN" sz="1000"/>
+          </a:p>
+          <a:p>
+            <a:r>
+              <a:rPr lang="en-US" altLang="zh-CN" sz="1000"/>
+              <a:t>    current_step</a:t>
+            </a:r>
+            <a:endParaRPr lang="en-US" altLang="zh-CN" sz="1000"/>
+          </a:p>
+          <a:p>
+            <a:r>
+              <a:rPr lang="en-US" altLang="zh-CN" sz="1000"/>
+              <a:t>    Economic gap</a:t>
+            </a:r>
+            <a:endParaRPr lang="en-US" altLang="zh-CN" sz="1000"/>
           </a:p>
         </p:txBody>
       </p:sp>
@@ -3880,13 +3951,20 @@
             <p:ph type="title"/>
           </p:nvPr>
         </p:nvSpPr>
-        <p:spPr/>
-        <p:txBody>
-          <a:bodyPr/>
+        <p:spPr>
+          <a:xfrm>
+            <a:off x="647700" y="248285"/>
+            <a:ext cx="10515600" cy="257810"/>
+          </a:xfrm>
+        </p:spPr>
+        <p:txBody>
+          <a:bodyPr>
+            <a:normAutofit fontScale="90000"/>
+          </a:bodyPr>
           <a:p>
             <a:r>
               <a:rPr lang="en-US" altLang="zh-CN"/>
-              <a:t>environment</a:t>
+              <a:t>Overview of Model (SCMLEnv + MADDPG)</a:t>
             </a:r>
             <a:endParaRPr lang="en-US" altLang="zh-CN"/>
           </a:p>
@@ -3894,7 +3972,7 @@
       </p:sp>
       <p:pic>
         <p:nvPicPr>
-          <p:cNvPr id="4" name="内容占位符 3" descr="scmlenv"/>
+          <p:cNvPr id="4" name="内容占位符 3" descr="mappdg3"/>
           <p:cNvPicPr>
             <a:picLocks noChangeAspect="true"/>
           </p:cNvPicPr>
@@ -3910,8 +3988,8 @@
         </p:blipFill>
         <p:spPr>
           <a:xfrm>
-            <a:off x="647700" y="1764030"/>
-            <a:ext cx="4694555" cy="4351655"/>
+            <a:off x="75565" y="895350"/>
+            <a:ext cx="12040870" cy="5363845"/>
           </a:xfrm>
           <a:prstGeom prst="rect">
             <a:avLst/>
@@ -3920,14 +3998,14 @@
       </p:pic>
       <p:sp>
         <p:nvSpPr>
-          <p:cNvPr id="5" name="文本框 4"/>
+          <p:cNvPr id="7" name="文本框 6"/>
           <p:cNvSpPr txBox="true"/>
           <p:nvPr/>
         </p:nvSpPr>
         <p:spPr>
           <a:xfrm>
-            <a:off x="6176645" y="1198880"/>
-            <a:ext cx="5370195" cy="3969385"/>
+            <a:off x="2734310" y="6414770"/>
+            <a:ext cx="7098030" cy="306705"/>
           </a:xfrm>
           <a:prstGeom prst="rect">
             <a:avLst/>
@@ -3939,66 +4017,12 @@
             <a:spAutoFit/>
           </a:bodyPr>
           <a:p>
-            <a:r>
-              <a:rPr lang="en-US" altLang="zh-CN"/>
-              <a:t>Environement: SCMLEnv &lt;= Gym.env, transfer informations of reward, observation to trainer</a:t>
-            </a:r>
-            <a:endParaRPr lang="en-US" altLang="zh-CN"/>
-          </a:p>
-          <a:p>
-            <a:endParaRPr lang="en-US" altLang="zh-CN"/>
-          </a:p>
-          <a:p>
-            <a:r>
-              <a:rPr lang="en-US" altLang="zh-CN"/>
-              <a:t>World: TrainWorld &lt;= SCML2020World</a:t>
-            </a:r>
-            <a:endParaRPr lang="en-US" altLang="zh-CN"/>
-          </a:p>
-          <a:p>
-            <a:r>
-              <a:rPr lang="en-US" altLang="zh-CN"/>
-              <a:t>world running logic</a:t>
-            </a:r>
-            <a:endParaRPr lang="en-US" altLang="zh-CN"/>
-          </a:p>
-          <a:p>
-            <a:endParaRPr lang="en-US" altLang="zh-CN"/>
-          </a:p>
-          <a:p>
-            <a:r>
-              <a:rPr lang="en-US" altLang="zh-CN"/>
-              <a:t>Agent: </a:t>
-            </a:r>
-            <a:r>
-              <a:rPr lang="en-US" altLang="zh-CN" sz="1400"/>
-              <a:t>MyComponentsBasedAgent &lt;= SCML2020Agent</a:t>
-            </a:r>
-            <a:endParaRPr lang="en-US" altLang="zh-CN" sz="1400"/>
-          </a:p>
-          <a:p>
-            <a:r>
-              <a:rPr lang="en-US" altLang="zh-CN"/>
-              <a:t>agents with learning capabilities run in the SCML2020World</a:t>
-            </a:r>
-            <a:endParaRPr lang="en-US" altLang="zh-CN"/>
-          </a:p>
-          <a:p>
-            <a:endParaRPr lang="en-US" altLang="zh-CN"/>
-          </a:p>
-          <a:p>
-            <a:r>
-              <a:rPr lang="en-US" altLang="zh-CN"/>
-              <a:t>Scenario:</a:t>
-            </a:r>
-            <a:endParaRPr lang="en-US" altLang="zh-CN"/>
-          </a:p>
-          <a:p>
-            <a:r>
-              <a:rPr lang="en-US" altLang="zh-CN"/>
-              <a:t>make environement, make world, reward callback, observation callback, done callback</a:t>
-            </a:r>
-            <a:endParaRPr lang="en-US" altLang="zh-CN"/>
+            <a:pPr algn="ctr"/>
+            <a:r>
+              <a:rPr lang="en-US" altLang="zh-CN" sz="1400" b="1"/>
+              <a:t> multi-agent decentralized actor, centralized critic</a:t>
+            </a:r>
+            <a:endParaRPr lang="en-US" altLang="zh-CN" sz="1400" b="1"/>
           </a:p>
         </p:txBody>
       </p:sp>
@@ -4036,6 +4060,156 @@
           <a:p>
             <a:r>
               <a:rPr lang="en-US" altLang="zh-CN"/>
+              <a:t>environment</a:t>
+            </a:r>
+            <a:endParaRPr lang="en-US" altLang="zh-CN"/>
+          </a:p>
+        </p:txBody>
+      </p:sp>
+      <p:pic>
+        <p:nvPicPr>
+          <p:cNvPr id="4" name="内容占位符 3" descr="scmlenv"/>
+          <p:cNvPicPr>
+            <a:picLocks noChangeAspect="true"/>
+          </p:cNvPicPr>
+          <p:nvPr>
+            <p:ph idx="1"/>
+          </p:nvPr>
+        </p:nvPicPr>
+        <p:blipFill>
+          <a:blip r:embed="rId1"/>
+          <a:stretch>
+            <a:fillRect/>
+          </a:stretch>
+        </p:blipFill>
+        <p:spPr>
+          <a:xfrm>
+            <a:off x="647700" y="1764030"/>
+            <a:ext cx="4694555" cy="4351655"/>
+          </a:xfrm>
+          <a:prstGeom prst="rect">
+            <a:avLst/>
+          </a:prstGeom>
+        </p:spPr>
+      </p:pic>
+      <p:sp>
+        <p:nvSpPr>
+          <p:cNvPr id="5" name="文本框 4"/>
+          <p:cNvSpPr txBox="true"/>
+          <p:nvPr/>
+        </p:nvSpPr>
+        <p:spPr>
+          <a:xfrm>
+            <a:off x="6176645" y="1198880"/>
+            <a:ext cx="5370195" cy="3969385"/>
+          </a:xfrm>
+          <a:prstGeom prst="rect">
+            <a:avLst/>
+          </a:prstGeom>
+          <a:noFill/>
+        </p:spPr>
+        <p:txBody>
+          <a:bodyPr wrap="square" rtlCol="0">
+            <a:spAutoFit/>
+          </a:bodyPr>
+          <a:p>
+            <a:r>
+              <a:rPr lang="en-US" altLang="zh-CN"/>
+              <a:t>Environement: SCMLEnv &lt;= Gym.env, transfer informations of reward, observation to trainer</a:t>
+            </a:r>
+            <a:endParaRPr lang="en-US" altLang="zh-CN"/>
+          </a:p>
+          <a:p>
+            <a:endParaRPr lang="en-US" altLang="zh-CN"/>
+          </a:p>
+          <a:p>
+            <a:r>
+              <a:rPr lang="en-US" altLang="zh-CN"/>
+              <a:t>World: TrainWorld &lt;= SCML2020World</a:t>
+            </a:r>
+            <a:endParaRPr lang="en-US" altLang="zh-CN"/>
+          </a:p>
+          <a:p>
+            <a:r>
+              <a:rPr lang="en-US" altLang="zh-CN"/>
+              <a:t>world running logic</a:t>
+            </a:r>
+            <a:endParaRPr lang="en-US" altLang="zh-CN"/>
+          </a:p>
+          <a:p>
+            <a:endParaRPr lang="en-US" altLang="zh-CN"/>
+          </a:p>
+          <a:p>
+            <a:r>
+              <a:rPr lang="en-US" altLang="zh-CN"/>
+              <a:t>Agent: </a:t>
+            </a:r>
+            <a:r>
+              <a:rPr lang="en-US" altLang="zh-CN" sz="1400"/>
+              <a:t>MyComponentsBasedAgent &lt;= SCML2020Agent</a:t>
+            </a:r>
+            <a:endParaRPr lang="en-US" altLang="zh-CN" sz="1400"/>
+          </a:p>
+          <a:p>
+            <a:r>
+              <a:rPr lang="en-US" altLang="zh-CN"/>
+              <a:t>agents with learning capabilities run in the SCML2020World</a:t>
+            </a:r>
+            <a:endParaRPr lang="en-US" altLang="zh-CN"/>
+          </a:p>
+          <a:p>
+            <a:endParaRPr lang="en-US" altLang="zh-CN"/>
+          </a:p>
+          <a:p>
+            <a:r>
+              <a:rPr lang="en-US" altLang="zh-CN"/>
+              <a:t>Scenario:</a:t>
+            </a:r>
+            <a:endParaRPr lang="en-US" altLang="zh-CN"/>
+          </a:p>
+          <a:p>
+            <a:r>
+              <a:rPr lang="en-US" altLang="zh-CN"/>
+              <a:t>make environement, make world, reward callback, observation callback, done callback</a:t>
+            </a:r>
+            <a:endParaRPr lang="en-US" altLang="zh-CN"/>
+          </a:p>
+        </p:txBody>
+      </p:sp>
+    </p:spTree>
+  </p:cSld>
+  <p:clrMapOvr>
+    <a:masterClrMapping/>
+  </p:clrMapOvr>
+</p:sld>
+</file>
+
+<file path=ppt/slides/slide6.xml><?xml version="1.0" encoding="utf-8"?>
+<p:sld xmlns:a="http://schemas.openxmlformats.org/drawingml/2006/main" xmlns:r="http://schemas.openxmlformats.org/officeDocument/2006/relationships" xmlns:p="http://schemas.openxmlformats.org/presentationml/2006/main">
+  <p:cSld>
+    <p:spTree>
+      <p:nvGrpSpPr>
+        <p:cNvPr id="1" name=""/>
+        <p:cNvGrpSpPr/>
+        <p:nvPr/>
+      </p:nvGrpSpPr>
+      <p:grpSpPr/>
+      <p:sp>
+        <p:nvSpPr>
+          <p:cNvPr id="2" name="标题 1"/>
+          <p:cNvSpPr>
+            <a:spLocks noGrp="true"/>
+          </p:cNvSpPr>
+          <p:nvPr>
+            <p:ph type="title"/>
+          </p:nvPr>
+        </p:nvSpPr>
+        <p:spPr/>
+        <p:txBody>
+          <a:bodyPr/>
+          <a:p>
+            <a:r>
+              <a:rPr lang="en-US" altLang="zh-CN"/>
               <a:t>Model of Training, Execution(MADDPG)</a:t>
             </a:r>
             <a:endParaRPr lang="en-US" altLang="zh-CN"/>
@@ -4180,7 +4354,7 @@
 </p:sld>
 </file>
 
-<file path=ppt/slides/slide6.xml><?xml version="1.0" encoding="utf-8"?>
+<file path=ppt/slides/slide7.xml><?xml version="1.0" encoding="utf-8"?>
 <p:sld xmlns:a="http://schemas.openxmlformats.org/drawingml/2006/main" xmlns:r="http://schemas.openxmlformats.org/officeDocument/2006/relationships" xmlns:p="http://schemas.openxmlformats.org/presentationml/2006/main">
   <p:cSld>
     <p:spTree>
